--- a/week0/week_zero_lecture.pptx
+++ b/week0/week_zero_lecture.pptx
@@ -133,13 +133,75 @@
 <file path=ppt/revisionInfo.xml><?xml version="1.0" encoding="utf-8"?>
 <p1510:revInfo xmlns:a="http://schemas.openxmlformats.org/drawingml/2006/main" xmlns:r="http://schemas.openxmlformats.org/officeDocument/2006/relationships" xmlns:p1510="http://schemas.microsoft.com/office/powerpoint/2015/10/main">
   <p1510:revLst>
-    <p1510:client id="{3CE7BEC6-056D-4181-AB30-4D3B8978BA3A}" v="34" dt="2019-05-21T21:24:19.119"/>
+    <p1510:client id="{E8619708-9B77-417F-AE19-EE5AF1847EB5}" v="9" dt="2020-05-01T13:56:50.928"/>
   </p1510:revLst>
 </p1510:revInfo>
 </file>
 
 <file path=ppt/changesInfos/changesInfo1.xml><?xml version="1.0" encoding="utf-8"?>
 <pc:chgInfo xmlns:a="http://schemas.openxmlformats.org/drawingml/2006/main" xmlns:r="http://schemas.openxmlformats.org/officeDocument/2006/relationships" xmlns:ac="http://schemas.microsoft.com/office/drawing/2013/main/command" xmlns:pc="http://schemas.microsoft.com/office/powerpoint/2013/main/command">
+  <pc:docChgLst>
+    <pc:chgData name="John" userId="04766af8-08bf-4f27-a8a4-706beaa96b52" providerId="ADAL" clId="{E8619708-9B77-417F-AE19-EE5AF1847EB5}"/>
+    <pc:docChg chg="custSel modSld">
+      <pc:chgData name="John" userId="04766af8-08bf-4f27-a8a4-706beaa96b52" providerId="ADAL" clId="{E8619708-9B77-417F-AE19-EE5AF1847EB5}" dt="2020-05-01T13:56:55.496" v="14" actId="1076"/>
+      <pc:docMkLst>
+        <pc:docMk/>
+      </pc:docMkLst>
+      <pc:sldChg chg="modSp">
+        <pc:chgData name="John" userId="04766af8-08bf-4f27-a8a4-706beaa96b52" providerId="ADAL" clId="{E8619708-9B77-417F-AE19-EE5AF1847EB5}" dt="2020-05-01T13:54:44.879" v="3" actId="20577"/>
+        <pc:sldMkLst>
+          <pc:docMk/>
+          <pc:sldMk cId="4217716730" sldId="256"/>
+        </pc:sldMkLst>
+        <pc:spChg chg="mod">
+          <ac:chgData name="John" userId="04766af8-08bf-4f27-a8a4-706beaa96b52" providerId="ADAL" clId="{E8619708-9B77-417F-AE19-EE5AF1847EB5}" dt="2020-05-01T13:54:44.879" v="3" actId="20577"/>
+          <ac:spMkLst>
+            <pc:docMk/>
+            <pc:sldMk cId="4217716730" sldId="256"/>
+            <ac:spMk id="2" creationId="{00000000-0000-0000-0000-000000000000}"/>
+          </ac:spMkLst>
+        </pc:spChg>
+      </pc:sldChg>
+      <pc:sldChg chg="modSp">
+        <pc:chgData name="John" userId="04766af8-08bf-4f27-a8a4-706beaa96b52" providerId="ADAL" clId="{E8619708-9B77-417F-AE19-EE5AF1847EB5}" dt="2020-05-01T13:55:16.373" v="11" actId="20577"/>
+        <pc:sldMkLst>
+          <pc:docMk/>
+          <pc:sldMk cId="1464408100" sldId="260"/>
+        </pc:sldMkLst>
+        <pc:spChg chg="mod">
+          <ac:chgData name="John" userId="04766af8-08bf-4f27-a8a4-706beaa96b52" providerId="ADAL" clId="{E8619708-9B77-417F-AE19-EE5AF1847EB5}" dt="2020-05-01T13:55:16.373" v="11" actId="20577"/>
+          <ac:spMkLst>
+            <pc:docMk/>
+            <pc:sldMk cId="1464408100" sldId="260"/>
+            <ac:spMk id="3" creationId="{00000000-0000-0000-0000-000000000000}"/>
+          </ac:spMkLst>
+        </pc:spChg>
+      </pc:sldChg>
+      <pc:sldChg chg="addSp delSp modSp delAnim">
+        <pc:chgData name="John" userId="04766af8-08bf-4f27-a8a4-706beaa96b52" providerId="ADAL" clId="{E8619708-9B77-417F-AE19-EE5AF1847EB5}" dt="2020-05-01T13:56:55.496" v="14" actId="1076"/>
+        <pc:sldMkLst>
+          <pc:docMk/>
+          <pc:sldMk cId="4084884330" sldId="270"/>
+        </pc:sldMkLst>
+        <pc:picChg chg="del">
+          <ac:chgData name="John" userId="04766af8-08bf-4f27-a8a4-706beaa96b52" providerId="ADAL" clId="{E8619708-9B77-417F-AE19-EE5AF1847EB5}" dt="2020-05-01T13:56:13.762" v="12" actId="478"/>
+          <ac:picMkLst>
+            <pc:docMk/>
+            <pc:sldMk cId="4084884330" sldId="270"/>
+            <ac:picMk id="4" creationId="{00000000-0000-0000-0000-000000000000}"/>
+          </ac:picMkLst>
+        </pc:picChg>
+        <pc:picChg chg="add mod">
+          <ac:chgData name="John" userId="04766af8-08bf-4f27-a8a4-706beaa96b52" providerId="ADAL" clId="{E8619708-9B77-417F-AE19-EE5AF1847EB5}" dt="2020-05-01T13:56:55.496" v="14" actId="1076"/>
+          <ac:picMkLst>
+            <pc:docMk/>
+            <pc:sldMk cId="4084884330" sldId="270"/>
+            <ac:picMk id="6" creationId="{3F15B114-0B32-4F9E-A78D-6C023FA29941}"/>
+          </ac:picMkLst>
+        </pc:picChg>
+      </pc:sldChg>
+    </pc:docChg>
+  </pc:docChgLst>
   <pc:docChgLst>
     <pc:chgData name="Scofield, John" userId="04766af8-08bf-4f27-a8a4-706beaa96b52" providerId="ADAL" clId="{3CE7BEC6-056D-4181-AB30-4D3B8978BA3A}"/>
     <pc:docChg chg="custSel modSld">
@@ -309,7 +371,7 @@
           <a:p>
             <a:fld id="{55004596-28E0-48F0-8FF9-810E9DD2C319}" type="datetimeFigureOut">
               <a:rPr lang="en-US" smtClean="0"/>
-              <a:t>5/21/2019</a:t>
+              <a:t>5/1/2020</a:t>
             </a:fld>
             <a:endParaRPr lang="en-US"/>
           </a:p>
@@ -770,7 +832,7 @@
           <a:p>
             <a:fld id="{11E24289-B81E-4C12-9565-BAA685EA2EF6}" type="datetime1">
               <a:rPr lang="en-US" smtClean="0"/>
-              <a:t>5/21/2019</a:t>
+              <a:t>5/1/2020</a:t>
             </a:fld>
             <a:endParaRPr lang="en-US"/>
           </a:p>
@@ -945,7 +1007,7 @@
           <a:p>
             <a:fld id="{A4FCBA6F-2EF9-4D23-BB04-93D42F68ED6E}" type="datetime1">
               <a:rPr lang="en-US" smtClean="0"/>
-              <a:t>5/21/2019</a:t>
+              <a:t>5/1/2020</a:t>
             </a:fld>
             <a:endParaRPr lang="en-US"/>
           </a:p>
@@ -1166,7 +1228,7 @@
           <a:p>
             <a:fld id="{C03F4E05-A698-45E3-9C95-F98DC65112B3}" type="datetime1">
               <a:rPr lang="en-US" smtClean="0"/>
-              <a:t>5/21/2019</a:t>
+              <a:t>5/1/2020</a:t>
             </a:fld>
             <a:endParaRPr lang="en-US"/>
           </a:p>
@@ -1382,7 +1444,7 @@
           <a:p>
             <a:fld id="{E8EECFFB-CB7B-4C58-B7EC-8579B5E5F200}" type="datetime1">
               <a:rPr lang="en-US" smtClean="0"/>
-              <a:t>5/21/2019</a:t>
+              <a:t>5/1/2020</a:t>
             </a:fld>
             <a:endParaRPr lang="en-US"/>
           </a:p>
@@ -1677,7 +1739,7 @@
           <a:p>
             <a:fld id="{DAD1602B-3E6D-40ED-80BC-87F5D02CD2C5}" type="datetime1">
               <a:rPr lang="en-US" smtClean="0"/>
-              <a:t>5/21/2019</a:t>
+              <a:t>5/1/2020</a:t>
             </a:fld>
             <a:endParaRPr lang="en-US"/>
           </a:p>
@@ -2011,7 +2073,7 @@
           <a:p>
             <a:fld id="{0A1213BF-2B39-4801-A60B-7621EFD6A74F}" type="datetime1">
               <a:rPr lang="en-US" smtClean="0"/>
-              <a:t>5/21/2019</a:t>
+              <a:t>5/1/2020</a:t>
             </a:fld>
             <a:endParaRPr lang="en-US"/>
           </a:p>
@@ -2503,7 +2565,7 @@
           <a:p>
             <a:fld id="{D9ABEAEB-CFC6-48A3-B7D5-77F61E212D81}" type="datetime1">
               <a:rPr lang="en-US" smtClean="0"/>
-              <a:t>5/21/2019</a:t>
+              <a:t>5/1/2020</a:t>
             </a:fld>
             <a:endParaRPr lang="en-US"/>
           </a:p>
@@ -2662,7 +2724,7 @@
           <a:p>
             <a:fld id="{D34A354E-B39F-4026-A4F5-E634F326B737}" type="datetime1">
               <a:rPr lang="en-US" smtClean="0"/>
-              <a:t>5/21/2019</a:t>
+              <a:t>5/1/2020</a:t>
             </a:fld>
             <a:endParaRPr lang="en-US"/>
           </a:p>
@@ -2798,7 +2860,7 @@
           <a:p>
             <a:fld id="{301B2BE4-BCD0-40B1-8538-8B8FF8E80C66}" type="datetime1">
               <a:rPr lang="en-US" smtClean="0"/>
-              <a:t>5/21/2019</a:t>
+              <a:t>5/1/2020</a:t>
             </a:fld>
             <a:endParaRPr lang="en-US"/>
           </a:p>
@@ -3126,7 +3188,7 @@
           <a:p>
             <a:fld id="{DABC6DCF-2CDD-4168-A72A-275FC99014F3}" type="datetime1">
               <a:rPr lang="en-US" smtClean="0"/>
-              <a:t>5/21/2019</a:t>
+              <a:t>5/1/2020</a:t>
             </a:fld>
             <a:endParaRPr lang="en-US"/>
           </a:p>
@@ -3441,7 +3503,7 @@
           <a:p>
             <a:fld id="{1E6A9B0C-F3EB-4E13-837D-25EE8CB06674}" type="datetime1">
               <a:rPr lang="en-US" smtClean="0"/>
-              <a:t>5/21/2019</a:t>
+              <a:t>5/1/2020</a:t>
             </a:fld>
             <a:endParaRPr lang="en-US"/>
           </a:p>
@@ -3693,7 +3755,7 @@
           <a:p>
             <a:fld id="{74FC465F-E115-4FA0-9ABC-EC0B47AF5ADA}" type="datetime1">
               <a:rPr lang="en-US" smtClean="0"/>
-              <a:t>5/21/2019</a:t>
+              <a:t>5/1/2020</a:t>
             </a:fld>
             <a:endParaRPr lang="en-US"/>
           </a:p>
@@ -4240,7 +4302,7 @@
                 <a:latin typeface="Arial" panose="020B0604020202020204" pitchFamily="34" charset="0"/>
                 <a:cs typeface="Arial" panose="020B0604020202020204" pitchFamily="34" charset="0"/>
               </a:rPr>
-              <a:t>Summer 2019 Online</a:t>
+              <a:t>Summer 2020 Online</a:t>
             </a:r>
             <a:br>
               <a:rPr lang="en-US" sz="4800" dirty="0">
@@ -6176,9 +6238,40 @@
           </a:p>
         </p:txBody>
       </p:sp>
+      <p:sp>
+        <p:nvSpPr>
+          <p:cNvPr id="5" name="Slide Number Placeholder 4"/>
+          <p:cNvSpPr>
+            <a:spLocks noGrp="1"/>
+          </p:cNvSpPr>
+          <p:nvPr>
+            <p:ph type="sldNum" sz="quarter" idx="12"/>
+          </p:nvPr>
+        </p:nvSpPr>
+        <p:spPr/>
+        <p:txBody>
+          <a:bodyPr>
+            <a:normAutofit lnSpcReduction="10000"/>
+          </a:bodyPr>
+          <a:lstStyle/>
+          <a:p>
+            <a:fld id="{F019A740-F4D7-45E7-BE73-B52810E44CB7}" type="slidenum">
+              <a:rPr lang="en-US" smtClean="0"/>
+              <a:t>15</a:t>
+            </a:fld>
+            <a:endParaRPr lang="en-US"/>
+          </a:p>
+        </p:txBody>
+      </p:sp>
       <p:pic>
         <p:nvPicPr>
-          <p:cNvPr id="4" name="Picture 3"/>
+          <p:cNvPr id="6" name="Picture 5">
+            <a:extLst>
+              <a:ext uri="{FF2B5EF4-FFF2-40B4-BE49-F238E27FC236}">
+                <a16:creationId xmlns:a16="http://schemas.microsoft.com/office/drawing/2014/main" id="{3F15B114-0B32-4F9E-A78D-6C023FA29941}"/>
+              </a:ext>
+            </a:extLst>
+          </p:cNvPr>
           <p:cNvPicPr>
             <a:picLocks noChangeAspect="1"/>
           </p:cNvPicPr>
@@ -6192,39 +6285,14 @@
         </p:blipFill>
         <p:spPr>
           <a:xfrm>
-            <a:off x="5559552" y="72846"/>
-            <a:ext cx="5446643" cy="6785154"/>
+            <a:off x="5409491" y="0"/>
+            <a:ext cx="5520637" cy="6858000"/>
           </a:xfrm>
           <a:prstGeom prst="rect">
             <a:avLst/>
           </a:prstGeom>
         </p:spPr>
       </p:pic>
-      <p:sp>
-        <p:nvSpPr>
-          <p:cNvPr id="5" name="Slide Number Placeholder 4"/>
-          <p:cNvSpPr>
-            <a:spLocks noGrp="1"/>
-          </p:cNvSpPr>
-          <p:nvPr>
-            <p:ph type="sldNum" sz="quarter" idx="12"/>
-          </p:nvPr>
-        </p:nvSpPr>
-        <p:spPr/>
-        <p:txBody>
-          <a:bodyPr>
-            <a:normAutofit lnSpcReduction="10000"/>
-          </a:bodyPr>
-          <a:lstStyle/>
-          <a:p>
-            <a:fld id="{F019A740-F4D7-45E7-BE73-B52810E44CB7}" type="slidenum">
-              <a:rPr lang="en-US" smtClean="0"/>
-              <a:t>15</a:t>
-            </a:fld>
-            <a:endParaRPr lang="en-US"/>
-          </a:p>
-        </p:txBody>
-      </p:sp>
     </p:spTree>
     <p:extLst>
       <p:ext uri="{BB962C8B-B14F-4D97-AF65-F5344CB8AC3E}">
@@ -6274,51 +6342,6 @@
                                               <p:pRg st="0" end="0"/>
                                             </p:txEl>
                                           </p:spTgt>
-                                        </p:tgtEl>
-                                        <p:attrNameLst>
-                                          <p:attrName>style.visibility</p:attrName>
-                                        </p:attrNameLst>
-                                      </p:cBhvr>
-                                      <p:to>
-                                        <p:strVal val="visible"/>
-                                      </p:to>
-                                    </p:set>
-                                  </p:childTnLst>
-                                </p:cTn>
-                              </p:par>
-                            </p:childTnLst>
-                          </p:cTn>
-                        </p:par>
-                      </p:childTnLst>
-                    </p:cTn>
-                  </p:par>
-                  <p:par>
-                    <p:cTn id="7" fill="hold">
-                      <p:stCondLst>
-                        <p:cond delay="indefinite"/>
-                      </p:stCondLst>
-                      <p:childTnLst>
-                        <p:par>
-                          <p:cTn id="8" fill="hold">
-                            <p:stCondLst>
-                              <p:cond delay="0"/>
-                            </p:stCondLst>
-                            <p:childTnLst>
-                              <p:par>
-                                <p:cTn id="9" presetID="1" presetClass="entr" presetSubtype="0" fill="hold" nodeType="clickEffect">
-                                  <p:stCondLst>
-                                    <p:cond delay="0"/>
-                                  </p:stCondLst>
-                                  <p:childTnLst>
-                                    <p:set>
-                                      <p:cBhvr>
-                                        <p:cTn id="10" dur="1" fill="hold">
-                                          <p:stCondLst>
-                                            <p:cond delay="0"/>
-                                          </p:stCondLst>
-                                        </p:cTn>
-                                        <p:tgtEl>
-                                          <p:spTgt spid="4"/>
                                         </p:tgtEl>
                                         <p:attrNameLst>
                                           <p:attrName>style.visibility</p:attrName>
@@ -7799,36 +7822,8 @@
           <a:p>
             <a:pPr lvl="1"/>
             <a:r>
-              <a:rPr lang="en-US" sz="1500" dirty="0"/>
-              <a:t>Price, P. C., </a:t>
-            </a:r>
-            <a:r>
-              <a:rPr lang="en-US" sz="1500" dirty="0" err="1"/>
-              <a:t>Jhangiani</a:t>
-            </a:r>
-            <a:r>
-              <a:rPr lang="en-US" sz="1500" dirty="0"/>
-              <a:t>, R. S., Chiang, I-C. A., Leighton, D. C., and </a:t>
-            </a:r>
-            <a:r>
-              <a:rPr lang="en-US" sz="1500" dirty="0" err="1"/>
-              <a:t>Cuttler</a:t>
-            </a:r>
-            <a:r>
-              <a:rPr lang="en-US" sz="1500" dirty="0"/>
-              <a:t>, C. (2017). </a:t>
-            </a:r>
-            <a:r>
               <a:rPr lang="en-US" sz="1500" i="1" dirty="0"/>
-              <a:t>Research Methods in Psychology, 3</a:t>
-            </a:r>
-            <a:r>
-              <a:rPr lang="en-US" sz="1500" i="1" baseline="30000" dirty="0"/>
-              <a:t>rd</a:t>
-            </a:r>
-            <a:r>
-              <a:rPr lang="en-US" sz="1500" i="1" dirty="0"/>
-              <a:t> American Edition</a:t>
+              <a:t>Research Methods in Psychology, 4th Edition</a:t>
             </a:r>
             <a:r>
               <a:rPr lang="en-US" sz="1500" dirty="0"/>
